--- a/Demo.pptx
+++ b/Demo.pptx
@@ -7,10 +7,8 @@
   <p:sldIdLst>
     <p:sldId id="256" r:id="rId2"/>
     <p:sldId id="257" r:id="rId3"/>
-    <p:sldId id="258" r:id="rId4"/>
-    <p:sldId id="259" r:id="rId5"/>
-    <p:sldId id="261" r:id="rId6"/>
-    <p:sldId id="260" r:id="rId7"/>
+    <p:sldId id="262" r:id="rId4"/>
+    <p:sldId id="258" r:id="rId5"/>
   </p:sldIdLst>
   <p:sldSz cx="12192000" cy="6858000"/>
   <p:notesSz cx="6858000" cy="9144000"/>
@@ -109,6 +107,11 @@
       </a:defRPr>
     </a:lvl9pPr>
   </p:defaultTextStyle>
+  <p:extLst>
+    <p:ext uri="{EFAFB233-063F-42B5-8137-9DF3F51BA10A}">
+      <p15:sldGuideLst xmlns:p15="http://schemas.microsoft.com/office/powerpoint/2012/main"/>
+    </p:ext>
+  </p:extLst>
 </p:presentation>
 </file>
 
@@ -298,7 +301,7 @@
           <a:p>
             <a:fld id="{4AAD347D-5ACD-4C99-B74B-A9C85AD731AF}" type="datetimeFigureOut">
               <a:rPr lang="en-US" dirty="0"/>
-              <a:t>10/11/2018</a:t>
+              <a:t>11/8/2018</a:t>
             </a:fld>
             <a:endParaRPr lang="en-US" dirty="0"/>
           </a:p>
@@ -568,7 +571,7 @@
           <a:p>
             <a:fld id="{4509A250-FF31-4206-8172-F9D3106AACB1}" type="datetimeFigureOut">
               <a:rPr lang="en-US" dirty="0"/>
-              <a:t>10/11/2018</a:t>
+              <a:t>11/8/2018</a:t>
             </a:fld>
             <a:endParaRPr lang="en-US" dirty="0"/>
           </a:p>
@@ -757,7 +760,7 @@
           <a:p>
             <a:fld id="{4509A250-FF31-4206-8172-F9D3106AACB1}" type="datetimeFigureOut">
               <a:rPr lang="en-US" dirty="0"/>
-              <a:t>10/11/2018</a:t>
+              <a:t>11/8/2018</a:t>
             </a:fld>
             <a:endParaRPr lang="en-US" dirty="0"/>
           </a:p>
@@ -1025,7 +1028,7 @@
           <a:p>
             <a:fld id="{4509A250-FF31-4206-8172-F9D3106AACB1}" type="datetimeFigureOut">
               <a:rPr lang="en-US" dirty="0"/>
-              <a:t>10/11/2018</a:t>
+              <a:t>11/8/2018</a:t>
             </a:fld>
             <a:endParaRPr lang="en-US" dirty="0"/>
           </a:p>
@@ -1361,7 +1364,7 @@
           <a:p>
             <a:fld id="{4509A250-FF31-4206-8172-F9D3106AACB1}" type="datetimeFigureOut">
               <a:rPr lang="en-US" dirty="0"/>
-              <a:t>10/11/2018</a:t>
+              <a:t>11/8/2018</a:t>
             </a:fld>
             <a:endParaRPr lang="en-US" dirty="0"/>
           </a:p>
@@ -1979,7 +1982,7 @@
           <a:p>
             <a:fld id="{4509A250-FF31-4206-8172-F9D3106AACB1}" type="datetimeFigureOut">
               <a:rPr lang="en-US" dirty="0"/>
-              <a:t>10/11/2018</a:t>
+              <a:t>11/8/2018</a:t>
             </a:fld>
             <a:endParaRPr lang="en-US" dirty="0"/>
           </a:p>
@@ -2834,7 +2837,7 @@
           <a:p>
             <a:fld id="{4509A250-FF31-4206-8172-F9D3106AACB1}" type="datetimeFigureOut">
               <a:rPr lang="en-US" dirty="0"/>
-              <a:t>10/11/2018</a:t>
+              <a:t>11/8/2018</a:t>
             </a:fld>
             <a:endParaRPr lang="en-US" dirty="0"/>
           </a:p>
@@ -2999,7 +3002,7 @@
           <a:p>
             <a:fld id="{4509A250-FF31-4206-8172-F9D3106AACB1}" type="datetimeFigureOut">
               <a:rPr lang="en-US" dirty="0"/>
-              <a:t>10/11/2018</a:t>
+              <a:t>11/8/2018</a:t>
             </a:fld>
             <a:endParaRPr lang="en-US" dirty="0"/>
           </a:p>
@@ -3174,7 +3177,7 @@
           <a:p>
             <a:fld id="{4509A250-FF31-4206-8172-F9D3106AACB1}" type="datetimeFigureOut">
               <a:rPr lang="en-US" dirty="0"/>
-              <a:t>10/11/2018</a:t>
+              <a:t>11/8/2018</a:t>
             </a:fld>
             <a:endParaRPr lang="en-US" dirty="0"/>
           </a:p>
@@ -3339,7 +3342,7 @@
           <a:p>
             <a:fld id="{4509A250-FF31-4206-8172-F9D3106AACB1}" type="datetimeFigureOut">
               <a:rPr lang="en-US" dirty="0"/>
-              <a:t>10/11/2018</a:t>
+              <a:t>11/8/2018</a:t>
             </a:fld>
             <a:endParaRPr lang="en-US" dirty="0"/>
           </a:p>
@@ -3581,7 +3584,7 @@
           <a:p>
             <a:fld id="{9796027F-7875-4030-9381-8BD8C4F21935}" type="datetimeFigureOut">
               <a:rPr lang="en-US" dirty="0"/>
-              <a:t>10/11/2018</a:t>
+              <a:t>11/8/2018</a:t>
             </a:fld>
             <a:endParaRPr lang="en-US" dirty="0"/>
           </a:p>
@@ -3868,7 +3871,7 @@
           <a:p>
             <a:fld id="{9796027F-7875-4030-9381-8BD8C4F21935}" type="datetimeFigureOut">
               <a:rPr lang="en-US" dirty="0"/>
-              <a:t>10/11/2018</a:t>
+              <a:t>11/8/2018</a:t>
             </a:fld>
             <a:endParaRPr lang="en-US" dirty="0"/>
           </a:p>
@@ -4307,7 +4310,7 @@
           <a:p>
             <a:fld id="{9796027F-7875-4030-9381-8BD8C4F21935}" type="datetimeFigureOut">
               <a:rPr lang="en-US" dirty="0"/>
-              <a:t>10/11/2018</a:t>
+              <a:t>11/8/2018</a:t>
             </a:fld>
             <a:endParaRPr lang="en-US" dirty="0"/>
           </a:p>
@@ -4420,7 +4423,7 @@
           <a:p>
             <a:fld id="{4509A250-FF31-4206-8172-F9D3106AACB1}" type="datetimeFigureOut">
               <a:rPr lang="en-US" dirty="0"/>
-              <a:t>10/11/2018</a:t>
+              <a:t>11/8/2018</a:t>
             </a:fld>
             <a:endParaRPr lang="en-US" dirty="0"/>
           </a:p>
@@ -4510,7 +4513,7 @@
           <a:p>
             <a:fld id="{4509A250-FF31-4206-8172-F9D3106AACB1}" type="datetimeFigureOut">
               <a:rPr lang="en-US" dirty="0"/>
-              <a:t>10/11/2018</a:t>
+              <a:t>11/8/2018</a:t>
             </a:fld>
             <a:endParaRPr lang="en-US" dirty="0"/>
           </a:p>
@@ -4784,7 +4787,7 @@
           <a:p>
             <a:fld id="{4509A250-FF31-4206-8172-F9D3106AACB1}" type="datetimeFigureOut">
               <a:rPr lang="en-US" dirty="0"/>
-              <a:t>10/11/2018</a:t>
+              <a:t>11/8/2018</a:t>
             </a:fld>
             <a:endParaRPr lang="en-US" dirty="0"/>
           </a:p>
@@ -5054,7 +5057,7 @@
           <a:p>
             <a:fld id="{4509A250-FF31-4206-8172-F9D3106AACB1}" type="datetimeFigureOut">
               <a:rPr lang="en-US" dirty="0"/>
-              <a:t>10/11/2018</a:t>
+              <a:t>11/8/2018</a:t>
             </a:fld>
             <a:endParaRPr lang="en-US" dirty="0"/>
           </a:p>
@@ -5478,7 +5481,7 @@
           <a:p>
             <a:fld id="{4AAD347D-5ACD-4C99-B74B-A9C85AD731AF}" type="datetimeFigureOut">
               <a:rPr lang="en-US" dirty="0"/>
-              <a:t>10/11/2018</a:t>
+              <a:t>11/8/2018</a:t>
             </a:fld>
             <a:endParaRPr lang="en-US" dirty="0"/>
           </a:p>
@@ -6166,81 +6169,88 @@
           <a:bodyPr/>
           <a:lstStyle/>
           <a:p>
+            <a:r>
+              <a:rPr lang="fr-FR" dirty="0"/>
+              <a:t>Plan :</a:t>
+            </a:r>
             <a:br>
               <a:rPr lang="fr-FR" dirty="0"/>
             </a:br>
             <a:r>
               <a:rPr lang="fr-FR" dirty="0"/>
-              <a:t>Plan :</a:t>
+              <a:t>I. </a:t>
+            </a:r>
+            <a:r>
+              <a:rPr lang="fr-FR" dirty="0" err="1"/>
+              <a:t>Problèmatique</a:t>
             </a:r>
             <a:br>
               <a:rPr lang="fr-FR" dirty="0"/>
             </a:br>
             <a:r>
               <a:rPr lang="fr-FR" dirty="0"/>
-              <a:t>I. </a:t>
+              <a:t>	A. </a:t>
             </a:r>
             <a:r>
               <a:rPr lang="fr-FR" dirty="0" err="1"/>
-              <a:t>Problèmatique</a:t>
+              <a:t>Kaggle</a:t>
             </a:r>
             <a:br>
               <a:rPr lang="fr-FR" dirty="0"/>
             </a:br>
             <a:r>
               <a:rPr lang="fr-FR" dirty="0"/>
-              <a:t>	A. </a:t>
-            </a:r>
-            <a:r>
-              <a:rPr lang="fr-FR" dirty="0" err="1"/>
-              <a:t>Kaggle</a:t>
+              <a:t>II. Réalisation </a:t>
             </a:r>
             <a:br>
               <a:rPr lang="fr-FR" dirty="0"/>
             </a:br>
             <a:r>
               <a:rPr lang="fr-FR" dirty="0"/>
-              <a:t>	B. L’intelligence artificiel  </a:t>
+              <a:t>	A. Les Challenges</a:t>
             </a:r>
             <a:br>
               <a:rPr lang="fr-FR" dirty="0"/>
             </a:br>
             <a:r>
               <a:rPr lang="fr-FR" dirty="0"/>
-              <a:t>II. Réalisation </a:t>
+              <a:t>	B. </a:t>
+            </a:r>
+            <a:r>
+              <a:rPr lang="fr-FR" dirty="0" err="1"/>
+              <a:t>Demonstration</a:t>
             </a:r>
             <a:br>
               <a:rPr lang="fr-FR" dirty="0"/>
             </a:br>
             <a:r>
               <a:rPr lang="fr-FR" dirty="0"/>
-              <a:t>	A. Organisation Des Programmes</a:t>
+              <a:t>	C. Phase d’ Apprentissage </a:t>
             </a:r>
             <a:br>
               <a:rPr lang="fr-FR" dirty="0"/>
             </a:br>
             <a:r>
               <a:rPr lang="fr-FR" dirty="0"/>
-              <a:t>	B. Les Challenges</a:t>
+              <a:t>	D. Les Réseaux Neuronaux</a:t>
             </a:r>
             <a:br>
               <a:rPr lang="fr-FR" dirty="0"/>
             </a:br>
             <a:r>
               <a:rPr lang="fr-FR" dirty="0"/>
-              <a:t>III. Résultat </a:t>
+              <a:t>III. Bilan</a:t>
             </a:r>
             <a:br>
               <a:rPr lang="fr-FR" dirty="0"/>
             </a:br>
             <a:r>
               <a:rPr lang="fr-FR" dirty="0"/>
-              <a:t>	</a:t>
-            </a:r>
-            <a:r>
-              <a:rPr lang="fr-FR" dirty="0" err="1"/>
-              <a:t>A.Rendu</a:t>
-            </a:r>
+              <a:t>	A. Résultat</a:t>
+            </a:r>
+            <a:br>
+              <a:rPr lang="fr-FR" dirty="0"/>
+            </a:br>
             <a:r>
               <a:rPr lang="fr-FR" dirty="0"/>
               <a:t> </a:t>
@@ -6268,6 +6278,14 @@
 <file path=ppt/slides/slide3.xml><?xml version="1.0" encoding="utf-8"?>
 <p:sld xmlns:a="http://schemas.openxmlformats.org/drawingml/2006/main" xmlns:r="http://schemas.openxmlformats.org/officeDocument/2006/relationships" xmlns:p="http://schemas.openxmlformats.org/presentationml/2006/main">
   <p:cSld>
+    <p:bg>
+      <p:bgPr>
+        <a:solidFill>
+          <a:schemeClr val="bg1"/>
+        </a:solidFill>
+        <a:effectLst/>
+      </p:bgPr>
+    </p:bg>
     <p:spTree>
       <p:nvGrpSpPr>
         <p:cNvPr id="1" name=""/>
@@ -6282,6 +6300,686 @@
           <a:chExt cx="0" cy="0"/>
         </a:xfrm>
       </p:grpSpPr>
+      <p:pic>
+        <p:nvPicPr>
+          <p:cNvPr id="36" name="Picture 8">
+            <a:extLst>
+              <a:ext uri="{FF2B5EF4-FFF2-40B4-BE49-F238E27FC236}">
+                <a16:creationId xmlns:a16="http://schemas.microsoft.com/office/drawing/2014/main" id="{41B68C77-138E-4BF7-A276-BD0C78A4219F}"/>
+              </a:ext>
+              <a:ext uri="{C183D7F6-B498-43B3-948B-1728B52AA6E4}">
+                <adec:decorative xmlns:adec="http://schemas.microsoft.com/office/drawing/2017/decorative" val="1"/>
+              </a:ext>
+            </a:extLst>
+          </p:cNvPr>
+          <p:cNvPicPr>
+            <a:picLocks noGrp="1" noRot="1" noChangeAspect="1" noMove="1" noResize="1" noEditPoints="1" noAdjustHandles="1" noChangeArrowheads="1" noChangeShapeType="1" noCrop="1"/>
+          </p:cNvPicPr>
+          <p:nvPr>
+            <p:extLst>
+              <p:ext uri="{386F3935-93C4-4BCD-93E2-E3B085C9AB24}">
+                <p16:designElem xmlns:p16="http://schemas.microsoft.com/office/powerpoint/2015/main" val="1"/>
+              </p:ext>
+            </p:extLst>
+          </p:nvPr>
+        </p:nvPicPr>
+        <p:blipFill rotWithShape="1">
+          <a:blip r:embed="rId2">
+            <a:extLst>
+              <a:ext uri="{28A0092B-C50C-407E-A947-70E740481C1C}">
+                <a14:useLocalDpi xmlns:a14="http://schemas.microsoft.com/office/drawing/2010/main" val="0"/>
+              </a:ext>
+            </a:extLst>
+          </a:blip>
+          <a:srcRect l="3613"/>
+          <a:stretch/>
+        </p:blipFill>
+        <p:spPr>
+          <a:xfrm>
+            <a:off x="0" y="2669685"/>
+            <a:ext cx="4037012" cy="4188315"/>
+          </a:xfrm>
+          <a:prstGeom prst="rect">
+            <a:avLst/>
+          </a:prstGeom>
+        </p:spPr>
+      </p:pic>
+      <p:pic>
+        <p:nvPicPr>
+          <p:cNvPr id="37" name="Picture 10">
+            <a:extLst>
+              <a:ext uri="{FF2B5EF4-FFF2-40B4-BE49-F238E27FC236}">
+                <a16:creationId xmlns:a16="http://schemas.microsoft.com/office/drawing/2014/main" id="{7C268552-D473-46ED-B1B8-422042C4DEF1}"/>
+              </a:ext>
+              <a:ext uri="{C183D7F6-B498-43B3-948B-1728B52AA6E4}">
+                <adec:decorative xmlns:adec="http://schemas.microsoft.com/office/drawing/2017/decorative" val="1"/>
+              </a:ext>
+            </a:extLst>
+          </p:cNvPr>
+          <p:cNvPicPr>
+            <a:picLocks noGrp="1" noRot="1" noChangeAspect="1" noMove="1" noResize="1" noEditPoints="1" noAdjustHandles="1" noChangeArrowheads="1" noChangeShapeType="1" noCrop="1"/>
+          </p:cNvPicPr>
+          <p:nvPr>
+            <p:extLst>
+              <p:ext uri="{386F3935-93C4-4BCD-93E2-E3B085C9AB24}">
+                <p16:designElem xmlns:p16="http://schemas.microsoft.com/office/powerpoint/2015/main" val="1"/>
+              </p:ext>
+            </p:extLst>
+          </p:nvPr>
+        </p:nvPicPr>
+        <p:blipFill rotWithShape="1">
+          <a:blip r:embed="rId3">
+            <a:extLst>
+              <a:ext uri="{28A0092B-C50C-407E-A947-70E740481C1C}">
+                <a14:useLocalDpi xmlns:a14="http://schemas.microsoft.com/office/drawing/2010/main" val="0"/>
+              </a:ext>
+            </a:extLst>
+          </a:blip>
+          <a:srcRect l="35640"/>
+          <a:stretch/>
+        </p:blipFill>
+        <p:spPr>
+          <a:xfrm>
+            <a:off x="0" y="2892347"/>
+            <a:ext cx="1522412" cy="2365453"/>
+          </a:xfrm>
+          <a:prstGeom prst="rect">
+            <a:avLst/>
+          </a:prstGeom>
+        </p:spPr>
+      </p:pic>
+      <p:sp>
+        <p:nvSpPr>
+          <p:cNvPr id="38" name="Oval 12">
+            <a:extLst>
+              <a:ext uri="{FF2B5EF4-FFF2-40B4-BE49-F238E27FC236}">
+                <a16:creationId xmlns:a16="http://schemas.microsoft.com/office/drawing/2014/main" id="{4AC0CD9D-7610-4620-93B4-798CCD9AB581}"/>
+              </a:ext>
+              <a:ext uri="{C183D7F6-B498-43B3-948B-1728B52AA6E4}">
+                <adec:decorative xmlns:adec="http://schemas.microsoft.com/office/drawing/2017/decorative" val="1"/>
+              </a:ext>
+            </a:extLst>
+          </p:cNvPr>
+          <p:cNvSpPr>
+            <a:spLocks noGrp="1" noRot="1" noChangeAspect="1" noMove="1" noResize="1" noEditPoints="1" noAdjustHandles="1" noChangeArrowheads="1" noChangeShapeType="1" noTextEdit="1"/>
+          </p:cNvSpPr>
+          <p:nvPr>
+            <p:extLst>
+              <p:ext uri="{386F3935-93C4-4BCD-93E2-E3B085C9AB24}">
+                <p16:designElem xmlns:p16="http://schemas.microsoft.com/office/powerpoint/2015/main" val="1"/>
+              </p:ext>
+            </p:extLst>
+          </p:nvPr>
+        </p:nvSpPr>
+        <p:spPr>
+          <a:xfrm>
+            <a:off x="8609012" y="1676400"/>
+            <a:ext cx="2819400" cy="2819400"/>
+          </a:xfrm>
+          <a:prstGeom prst="ellipse">
+            <a:avLst/>
+          </a:prstGeom>
+          <a:gradFill flip="none" rotWithShape="1">
+            <a:gsLst>
+              <a:gs pos="0">
+                <a:schemeClr val="bg2">
+                  <a:lumMod val="60000"/>
+                  <a:lumOff val="40000"/>
+                  <a:alpha val="7000"/>
+                </a:schemeClr>
+              </a:gs>
+              <a:gs pos="69000">
+                <a:schemeClr val="bg2">
+                  <a:lumMod val="60000"/>
+                  <a:lumOff val="40000"/>
+                  <a:alpha val="0"/>
+                </a:schemeClr>
+              </a:gs>
+              <a:gs pos="36000">
+                <a:schemeClr val="bg2">
+                  <a:lumMod val="60000"/>
+                  <a:lumOff val="40000"/>
+                  <a:alpha val="6000"/>
+                </a:schemeClr>
+              </a:gs>
+            </a:gsLst>
+            <a:path path="circle">
+              <a:fillToRect l="50000" t="50000" r="50000" b="50000"/>
+            </a:path>
+            <a:tileRect/>
+          </a:gradFill>
+          <a:ln>
+            <a:noFill/>
+          </a:ln>
+          <a:effectLst/>
+        </p:spPr>
+        <p:style>
+          <a:lnRef idx="1">
+            <a:schemeClr val="accent1"/>
+          </a:lnRef>
+          <a:fillRef idx="3">
+            <a:schemeClr val="accent1"/>
+          </a:fillRef>
+          <a:effectRef idx="2">
+            <a:schemeClr val="accent1"/>
+          </a:effectRef>
+          <a:fontRef idx="minor">
+            <a:schemeClr val="lt1"/>
+          </a:fontRef>
+        </p:style>
+      </p:sp>
+      <p:pic>
+        <p:nvPicPr>
+          <p:cNvPr id="39" name="Picture 14">
+            <a:extLst>
+              <a:ext uri="{FF2B5EF4-FFF2-40B4-BE49-F238E27FC236}">
+                <a16:creationId xmlns:a16="http://schemas.microsoft.com/office/drawing/2014/main" id="{B9238B3E-24AA-439A-B527-6C5DF6D72145}"/>
+              </a:ext>
+              <a:ext uri="{C183D7F6-B498-43B3-948B-1728B52AA6E4}">
+                <adec:decorative xmlns:adec="http://schemas.microsoft.com/office/drawing/2017/decorative" val="1"/>
+              </a:ext>
+            </a:extLst>
+          </p:cNvPr>
+          <p:cNvPicPr>
+            <a:picLocks noGrp="1" noRot="1" noChangeAspect="1" noMove="1" noResize="1" noEditPoints="1" noAdjustHandles="1" noChangeArrowheads="1" noChangeShapeType="1" noCrop="1"/>
+          </p:cNvPicPr>
+          <p:nvPr>
+            <p:extLst>
+              <p:ext uri="{386F3935-93C4-4BCD-93E2-E3B085C9AB24}">
+                <p16:designElem xmlns:p16="http://schemas.microsoft.com/office/powerpoint/2015/main" val="1"/>
+              </p:ext>
+            </p:extLst>
+          </p:nvPr>
+        </p:nvPicPr>
+        <p:blipFill rotWithShape="1">
+          <a:blip r:embed="rId4">
+            <a:extLst>
+              <a:ext uri="{28A0092B-C50C-407E-A947-70E740481C1C}">
+                <a14:useLocalDpi xmlns:a14="http://schemas.microsoft.com/office/drawing/2010/main" val="0"/>
+              </a:ext>
+            </a:extLst>
+          </a:blip>
+          <a:srcRect t="28813"/>
+          <a:stretch/>
+        </p:blipFill>
+        <p:spPr>
+          <a:xfrm>
+            <a:off x="7999412" y="0"/>
+            <a:ext cx="1603387" cy="1141407"/>
+          </a:xfrm>
+          <a:prstGeom prst="rect">
+            <a:avLst/>
+          </a:prstGeom>
+        </p:spPr>
+      </p:pic>
+      <p:pic>
+        <p:nvPicPr>
+          <p:cNvPr id="40" name="Picture 16">
+            <a:extLst>
+              <a:ext uri="{FF2B5EF4-FFF2-40B4-BE49-F238E27FC236}">
+                <a16:creationId xmlns:a16="http://schemas.microsoft.com/office/drawing/2014/main" id="{69F01145-BEA3-4CBF-AA21-10077B948CA8}"/>
+              </a:ext>
+              <a:ext uri="{C183D7F6-B498-43B3-948B-1728B52AA6E4}">
+                <adec:decorative xmlns:adec="http://schemas.microsoft.com/office/drawing/2017/decorative" val="1"/>
+              </a:ext>
+            </a:extLst>
+          </p:cNvPr>
+          <p:cNvPicPr>
+            <a:picLocks noGrp="1" noRot="1" noChangeAspect="1" noMove="1" noResize="1" noEditPoints="1" noAdjustHandles="1" noChangeArrowheads="1" noChangeShapeType="1" noCrop="1"/>
+          </p:cNvPicPr>
+          <p:nvPr>
+            <p:extLst>
+              <p:ext uri="{386F3935-93C4-4BCD-93E2-E3B085C9AB24}">
+                <p16:designElem xmlns:p16="http://schemas.microsoft.com/office/powerpoint/2015/main" val="1"/>
+              </p:ext>
+            </p:extLst>
+          </p:nvPr>
+        </p:nvPicPr>
+        <p:blipFill rotWithShape="1">
+          <a:blip r:embed="rId5">
+            <a:extLst>
+              <a:ext uri="{28A0092B-C50C-407E-A947-70E740481C1C}">
+                <a14:useLocalDpi xmlns:a14="http://schemas.microsoft.com/office/drawing/2010/main" val="0"/>
+              </a:ext>
+            </a:extLst>
+          </a:blip>
+          <a:srcRect b="23320"/>
+          <a:stretch/>
+        </p:blipFill>
+        <p:spPr>
+          <a:xfrm>
+            <a:off x="8605878" y="6096000"/>
+            <a:ext cx="993734" cy="762000"/>
+          </a:xfrm>
+          <a:prstGeom prst="rect">
+            <a:avLst/>
+          </a:prstGeom>
+        </p:spPr>
+      </p:pic>
+      <p:sp>
+        <p:nvSpPr>
+          <p:cNvPr id="41" name="Rectangle 18">
+            <a:extLst>
+              <a:ext uri="{FF2B5EF4-FFF2-40B4-BE49-F238E27FC236}">
+                <a16:creationId xmlns:a16="http://schemas.microsoft.com/office/drawing/2014/main" id="{DE4D62F9-188E-4530-84C2-24BDEE4BEB82}"/>
+              </a:ext>
+              <a:ext uri="{C183D7F6-B498-43B3-948B-1728B52AA6E4}">
+                <adec:decorative xmlns:adec="http://schemas.microsoft.com/office/drawing/2017/decorative" val="1"/>
+              </a:ext>
+            </a:extLst>
+          </p:cNvPr>
+          <p:cNvSpPr>
+            <a:spLocks noGrp="1" noRot="1" noChangeAspect="1" noMove="1" noResize="1" noEditPoints="1" noAdjustHandles="1" noChangeArrowheads="1" noChangeShapeType="1" noTextEdit="1"/>
+          </p:cNvSpPr>
+          <p:nvPr>
+            <p:extLst>
+              <p:ext uri="{386F3935-93C4-4BCD-93E2-E3B085C9AB24}">
+                <p16:designElem xmlns:p16="http://schemas.microsoft.com/office/powerpoint/2015/main" val="1"/>
+              </p:ext>
+            </p:extLst>
+          </p:nvPr>
+        </p:nvSpPr>
+        <p:spPr>
+          <a:xfrm>
+            <a:off x="10437812" y="0"/>
+            <a:ext cx="685800" cy="1143000"/>
+          </a:xfrm>
+          <a:prstGeom prst="rect">
+            <a:avLst/>
+          </a:prstGeom>
+          <a:solidFill>
+            <a:schemeClr val="accent1"/>
+          </a:solidFill>
+          <a:ln>
+            <a:noFill/>
+          </a:ln>
+        </p:spPr>
+        <p:style>
+          <a:lnRef idx="1">
+            <a:schemeClr val="accent1"/>
+          </a:lnRef>
+          <a:fillRef idx="3">
+            <a:schemeClr val="accent1"/>
+          </a:fillRef>
+          <a:effectRef idx="2">
+            <a:schemeClr val="accent1"/>
+          </a:effectRef>
+          <a:fontRef idx="minor">
+            <a:schemeClr val="lt1"/>
+          </a:fontRef>
+        </p:style>
+      </p:sp>
+      <p:sp>
+        <p:nvSpPr>
+          <p:cNvPr id="42" name="Rectangle 20">
+            <a:extLst>
+              <a:ext uri="{FF2B5EF4-FFF2-40B4-BE49-F238E27FC236}">
+                <a16:creationId xmlns:a16="http://schemas.microsoft.com/office/drawing/2014/main" id="{7810E80F-9C89-42DA-AC6A-CA9F6C0FEE1D}"/>
+              </a:ext>
+              <a:ext uri="{C183D7F6-B498-43B3-948B-1728B52AA6E4}">
+                <adec:decorative xmlns:adec="http://schemas.microsoft.com/office/drawing/2017/decorative" val="1"/>
+              </a:ext>
+            </a:extLst>
+          </p:cNvPr>
+          <p:cNvSpPr>
+            <a:spLocks noGrp="1" noRot="1" noChangeAspect="1" noMove="1" noResize="1" noEditPoints="1" noAdjustHandles="1" noChangeArrowheads="1" noChangeShapeType="1" noTextEdit="1"/>
+          </p:cNvSpPr>
+          <p:nvPr>
+            <p:extLst>
+              <p:ext uri="{386F3935-93C4-4BCD-93E2-E3B085C9AB24}">
+                <p16:designElem xmlns:p16="http://schemas.microsoft.com/office/powerpoint/2015/main" val="1"/>
+              </p:ext>
+            </p:extLst>
+          </p:nvPr>
+        </p:nvSpPr>
+        <p:spPr>
+          <a:xfrm>
+            <a:off x="0" y="0"/>
+            <a:ext cx="12192000" cy="6858000"/>
+          </a:xfrm>
+          <a:prstGeom prst="rect">
+            <a:avLst/>
+          </a:prstGeom>
+          <a:ln>
+            <a:noFill/>
+          </a:ln>
+        </p:spPr>
+        <p:style>
+          <a:lnRef idx="2">
+            <a:schemeClr val="accent1">
+              <a:shade val="50000"/>
+            </a:schemeClr>
+          </a:lnRef>
+          <a:fillRef idx="1003">
+            <a:schemeClr val="dk2"/>
+          </a:fillRef>
+          <a:effectRef idx="0">
+            <a:schemeClr val="accent1"/>
+          </a:effectRef>
+          <a:fontRef idx="minor">
+            <a:schemeClr val="lt1"/>
+          </a:fontRef>
+        </p:style>
+        <p:txBody>
+          <a:bodyPr rtlCol="0" anchor="ctr"/>
+          <a:lstStyle/>
+          <a:p>
+            <a:pPr algn="ctr"/>
+            <a:endParaRPr lang="en-US"/>
+          </a:p>
+        </p:txBody>
+      </p:sp>
+      <p:sp>
+        <p:nvSpPr>
+          <p:cNvPr id="2" name="Titre 1">
+            <a:extLst>
+              <a:ext uri="{FF2B5EF4-FFF2-40B4-BE49-F238E27FC236}">
+                <a16:creationId xmlns:a16="http://schemas.microsoft.com/office/drawing/2014/main" id="{E9E3632E-1AD5-41D7-9AD9-CE95048B3AB6}"/>
+              </a:ext>
+            </a:extLst>
+          </p:cNvPr>
+          <p:cNvSpPr>
+            <a:spLocks noGrp="1"/>
+          </p:cNvSpPr>
+          <p:nvPr>
+            <p:ph type="title"/>
+          </p:nvPr>
+        </p:nvSpPr>
+        <p:spPr>
+          <a:xfrm>
+            <a:off x="8189492" y="1325880"/>
+            <a:ext cx="3354807" cy="3066507"/>
+          </a:xfrm>
+        </p:spPr>
+        <p:txBody>
+          <a:bodyPr vert="horz" lIns="91440" tIns="45720" rIns="91440" bIns="45720" rtlCol="0" anchor="b">
+            <a:normAutofit/>
+          </a:bodyPr>
+          <a:lstStyle/>
+          <a:p>
+            <a:r>
+              <a:rPr lang="en-US" sz="5400" b="0" i="0" kern="1200" dirty="0">
+                <a:solidFill>
+                  <a:srgbClr val="EBEBEB"/>
+                </a:solidFill>
+                <a:latin typeface="+mj-lt"/>
+                <a:ea typeface="+mj-ea"/>
+                <a:cs typeface="+mj-cs"/>
+              </a:rPr>
+              <a:t>I.A.</a:t>
+            </a:r>
+            <a:br>
+              <a:rPr lang="en-US" sz="5400" b="0" i="0" kern="1200" dirty="0">
+                <a:solidFill>
+                  <a:srgbClr val="EBEBEB"/>
+                </a:solidFill>
+                <a:latin typeface="+mj-lt"/>
+                <a:ea typeface="+mj-ea"/>
+                <a:cs typeface="+mj-cs"/>
+              </a:rPr>
+            </a:br>
+            <a:r>
+              <a:rPr lang="en-US" sz="5400" b="0" i="0" kern="1200" dirty="0">
+                <a:solidFill>
+                  <a:srgbClr val="EBEBEB"/>
+                </a:solidFill>
+                <a:latin typeface="+mj-lt"/>
+                <a:ea typeface="+mj-ea"/>
+                <a:cs typeface="+mj-cs"/>
+              </a:rPr>
+              <a:t>Kaggle</a:t>
+            </a:r>
+          </a:p>
+        </p:txBody>
+      </p:sp>
+      <p:sp>
+        <p:nvSpPr>
+          <p:cNvPr id="43" name="Rectangle 22">
+            <a:extLst>
+              <a:ext uri="{FF2B5EF4-FFF2-40B4-BE49-F238E27FC236}">
+                <a16:creationId xmlns:a16="http://schemas.microsoft.com/office/drawing/2014/main" id="{35955B09-6DFD-41EE-8794-648DBC50B39F}"/>
+              </a:ext>
+              <a:ext uri="{C183D7F6-B498-43B3-948B-1728B52AA6E4}">
+                <adec:decorative xmlns:adec="http://schemas.microsoft.com/office/drawing/2017/decorative" val="1"/>
+              </a:ext>
+            </a:extLst>
+          </p:cNvPr>
+          <p:cNvSpPr>
+            <a:spLocks noGrp="1" noRot="1" noChangeAspect="1" noMove="1" noResize="1" noEditPoints="1" noAdjustHandles="1" noChangeArrowheads="1" noChangeShapeType="1" noTextEdit="1"/>
+          </p:cNvSpPr>
+          <p:nvPr>
+            <p:extLst>
+              <p:ext uri="{386F3935-93C4-4BCD-93E2-E3B085C9AB24}">
+                <p16:designElem xmlns:p16="http://schemas.microsoft.com/office/powerpoint/2015/main" val="1"/>
+              </p:ext>
+            </p:extLst>
+          </p:nvPr>
+        </p:nvSpPr>
+        <p:spPr>
+          <a:xfrm>
+            <a:off x="0" y="0"/>
+            <a:ext cx="7552944" cy="6858000"/>
+          </a:xfrm>
+          <a:prstGeom prst="rect">
+            <a:avLst/>
+          </a:prstGeom>
+          <a:solidFill>
+            <a:srgbClr val="FFFFFF"/>
+          </a:solidFill>
+          <a:ln>
+            <a:noFill/>
+          </a:ln>
+        </p:spPr>
+        <p:style>
+          <a:lnRef idx="2">
+            <a:schemeClr val="accent1">
+              <a:shade val="50000"/>
+            </a:schemeClr>
+          </a:lnRef>
+          <a:fillRef idx="1">
+            <a:schemeClr val="accent1"/>
+          </a:fillRef>
+          <a:effectRef idx="0">
+            <a:schemeClr val="accent1"/>
+          </a:effectRef>
+          <a:fontRef idx="minor">
+            <a:schemeClr val="lt1"/>
+          </a:fontRef>
+        </p:style>
+        <p:txBody>
+          <a:bodyPr rtlCol="0" anchor="ctr"/>
+          <a:lstStyle/>
+          <a:p>
+            <a:pPr algn="ctr"/>
+            <a:endParaRPr lang="en-US"/>
+          </a:p>
+        </p:txBody>
+      </p:sp>
+      <p:sp useBgFill="1">
+        <p:nvSpPr>
+          <p:cNvPr id="25" name="Rounded Rectangle 4">
+            <a:extLst>
+              <a:ext uri="{FF2B5EF4-FFF2-40B4-BE49-F238E27FC236}">
+                <a16:creationId xmlns:a16="http://schemas.microsoft.com/office/drawing/2014/main" id="{A8D15A26-D50C-4BE5-8A59-321D90248097}"/>
+              </a:ext>
+              <a:ext uri="{C183D7F6-B498-43B3-948B-1728B52AA6E4}">
+                <adec:decorative xmlns:adec="http://schemas.microsoft.com/office/drawing/2017/decorative" val="1"/>
+              </a:ext>
+            </a:extLst>
+          </p:cNvPr>
+          <p:cNvSpPr>
+            <a:spLocks noGrp="1" noRot="1" noChangeAspect="1" noMove="1" noResize="1" noEditPoints="1" noAdjustHandles="1" noChangeArrowheads="1" noChangeShapeType="1" noTextEdit="1"/>
+          </p:cNvSpPr>
+          <p:nvPr>
+            <p:extLst>
+              <p:ext uri="{386F3935-93C4-4BCD-93E2-E3B085C9AB24}">
+                <p16:designElem xmlns:p16="http://schemas.microsoft.com/office/powerpoint/2015/main" val="1"/>
+              </p:ext>
+            </p:extLst>
+          </p:nvPr>
+        </p:nvSpPr>
+        <p:spPr>
+          <a:xfrm>
+            <a:off x="646745" y="591673"/>
+            <a:ext cx="6272784" cy="5626247"/>
+          </a:xfrm>
+          <a:prstGeom prst="roundRect">
+            <a:avLst>
+              <a:gd name="adj" fmla="val 0"/>
+            </a:avLst>
+          </a:prstGeom>
+          <a:ln w="12700">
+            <a:solidFill>
+              <a:schemeClr val="bg2"/>
+            </a:solidFill>
+          </a:ln>
+          <a:effectLst>
+            <a:outerShdw blurRad="50800" dist="50800" dir="5400000" algn="tl" rotWithShape="0">
+              <a:srgbClr val="000000">
+                <a:alpha val="43000"/>
+              </a:srgbClr>
+            </a:outerShdw>
+          </a:effectLst>
+        </p:spPr>
+        <p:style>
+          <a:lnRef idx="2">
+            <a:schemeClr val="accent1">
+              <a:shade val="50000"/>
+            </a:schemeClr>
+          </a:lnRef>
+          <a:fillRef idx="1">
+            <a:schemeClr val="accent1"/>
+          </a:fillRef>
+          <a:effectRef idx="0">
+            <a:schemeClr val="accent1"/>
+          </a:effectRef>
+          <a:fontRef idx="minor">
+            <a:schemeClr val="lt1"/>
+          </a:fontRef>
+        </p:style>
+        <p:txBody>
+          <a:bodyPr rtlCol="0" anchor="ctr"/>
+          <a:lstStyle/>
+          <a:p>
+            <a:pPr algn="ctr"/>
+            <a:endParaRPr lang="en-US"/>
+          </a:p>
+        </p:txBody>
+      </p:sp>
+      <p:pic>
+        <p:nvPicPr>
+          <p:cNvPr id="4" name="Image 3">
+            <a:extLst>
+              <a:ext uri="{FF2B5EF4-FFF2-40B4-BE49-F238E27FC236}">
+                <a16:creationId xmlns:a16="http://schemas.microsoft.com/office/drawing/2014/main" id="{7ABFFEBC-2781-471E-92E6-A6CA302ECB81}"/>
+              </a:ext>
+            </a:extLst>
+          </p:cNvPr>
+          <p:cNvPicPr>
+            <a:picLocks noChangeAspect="1"/>
+          </p:cNvPicPr>
+          <p:nvPr/>
+        </p:nvPicPr>
+        <p:blipFill>
+          <a:blip r:embed="rId6"/>
+          <a:stretch>
+            <a:fillRect/>
+          </a:stretch>
+        </p:blipFill>
+        <p:spPr>
+          <a:xfrm>
+            <a:off x="530858" y="492369"/>
+            <a:ext cx="6400166" cy="5773958"/>
+          </a:xfrm>
+          <a:prstGeom prst="rect">
+            <a:avLst/>
+          </a:prstGeom>
+          <a:effectLst/>
+        </p:spPr>
+      </p:pic>
+      <p:sp>
+        <p:nvSpPr>
+          <p:cNvPr id="27" name="Rectangle 26">
+            <a:extLst>
+              <a:ext uri="{FF2B5EF4-FFF2-40B4-BE49-F238E27FC236}">
+                <a16:creationId xmlns:a16="http://schemas.microsoft.com/office/drawing/2014/main" id="{EA1C8458-DBAA-4D00-98AC-E9890360D5F1}"/>
+              </a:ext>
+              <a:ext uri="{C183D7F6-B498-43B3-948B-1728B52AA6E4}">
+                <adec:decorative xmlns:adec="http://schemas.microsoft.com/office/drawing/2017/decorative" val="1"/>
+              </a:ext>
+            </a:extLst>
+          </p:cNvPr>
+          <p:cNvSpPr>
+            <a:spLocks noGrp="1" noRot="1" noChangeAspect="1" noMove="1" noResize="1" noEditPoints="1" noAdjustHandles="1" noChangeArrowheads="1" noChangeShapeType="1" noTextEdit="1"/>
+          </p:cNvSpPr>
+          <p:nvPr>
+            <p:extLst>
+              <p:ext uri="{386F3935-93C4-4BCD-93E2-E3B085C9AB24}">
+                <p16:designElem xmlns:p16="http://schemas.microsoft.com/office/powerpoint/2015/main" val="1"/>
+              </p:ext>
+            </p:extLst>
+          </p:nvPr>
+        </p:nvSpPr>
+        <p:spPr>
+          <a:xfrm>
+            <a:off x="10437812" y="0"/>
+            <a:ext cx="685800" cy="1143000"/>
+          </a:xfrm>
+          <a:prstGeom prst="rect">
+            <a:avLst/>
+          </a:prstGeom>
+          <a:solidFill>
+            <a:schemeClr val="accent1"/>
+          </a:solidFill>
+          <a:ln>
+            <a:noFill/>
+          </a:ln>
+        </p:spPr>
+        <p:style>
+          <a:lnRef idx="1">
+            <a:schemeClr val="accent1"/>
+          </a:lnRef>
+          <a:fillRef idx="3">
+            <a:schemeClr val="accent1"/>
+          </a:fillRef>
+          <a:effectRef idx="2">
+            <a:schemeClr val="accent1"/>
+          </a:effectRef>
+          <a:fontRef idx="minor">
+            <a:schemeClr val="lt1"/>
+          </a:fontRef>
+        </p:style>
+      </p:sp>
+    </p:spTree>
+    <p:extLst>
+      <p:ext uri="{BB962C8B-B14F-4D97-AF65-F5344CB8AC3E}">
+        <p14:creationId xmlns:p14="http://schemas.microsoft.com/office/powerpoint/2010/main" val="3870074814"/>
+      </p:ext>
+    </p:extLst>
+  </p:cSld>
+  <p:clrMapOvr>
+    <a:overrideClrMapping bg1="lt1" tx1="dk1" bg2="lt2" tx2="dk2" accent1="accent1" accent2="accent2" accent3="accent3" accent4="accent4" accent5="accent5" accent6="accent6" hlink="hlink" folHlink="folHlink"/>
+  </p:clrMapOvr>
+</p:sld>
+</file>
+
+<file path=ppt/slides/slide4.xml><?xml version="1.0" encoding="utf-8"?>
+<p:sld xmlns:a="http://schemas.openxmlformats.org/drawingml/2006/main" xmlns:r="http://schemas.openxmlformats.org/officeDocument/2006/relationships" xmlns:p="http://schemas.openxmlformats.org/presentationml/2006/main">
+  <p:cSld>
+    <p:spTree>
+      <p:nvGrpSpPr>
+        <p:cNvPr id="1" name=""/>
+        <p:cNvGrpSpPr/>
+        <p:nvPr/>
+      </p:nvGrpSpPr>
+      <p:grpSpPr>
+        <a:xfrm>
+          <a:off x="0" y="0"/>
+          <a:ext cx="0" cy="0"/>
+          <a:chOff x="0" y="0"/>
+          <a:chExt cx="0" cy="0"/>
+        </a:xfrm>
+      </p:grpSpPr>
       <p:sp>
         <p:nvSpPr>
           <p:cNvPr id="3" name="Titre 2">
@@ -6298,20 +6996,19 @@
             <p:ph type="title"/>
           </p:nvPr>
         </p:nvSpPr>
-        <p:spPr>
-          <a:xfrm>
-            <a:off x="0" y="3313"/>
-            <a:ext cx="12192000" cy="1268896"/>
-          </a:xfrm>
-        </p:spPr>
+        <p:spPr/>
         <p:txBody>
           <a:bodyPr/>
           <a:lstStyle/>
           <a:p>
             <a:r>
               <a:rPr lang="fr-FR" dirty="0"/>
-              <a:t>II. Réalisation </a:t>
-            </a:r>
+              <a:t>II.A. Les Challenges</a:t>
+            </a:r>
+            <a:br>
+              <a:rPr lang="fr-FR" dirty="0"/>
+            </a:br>
+            <a:endParaRPr lang="fr-FR" dirty="0"/>
           </a:p>
         </p:txBody>
       </p:sp>
@@ -6328,22 +7025,60 @@
             <a:spLocks noGrp="1"/>
           </p:cNvSpPr>
           <p:nvPr>
-            <p:ph type="body" sz="half" idx="2"/>
-          </p:nvPr>
-        </p:nvSpPr>
-        <p:spPr>
-          <a:xfrm>
-            <a:off x="0" y="1669775"/>
-            <a:ext cx="12192000" cy="5184912"/>
+            <p:ph idx="1"/>
+          </p:nvPr>
+        </p:nvSpPr>
+        <p:spPr>
+          <a:xfrm>
+            <a:off x="646111" y="1252539"/>
+            <a:ext cx="8946541" cy="4195481"/>
           </a:xfrm>
         </p:spPr>
         <p:txBody>
           <a:bodyPr/>
           <a:lstStyle/>
           <a:p>
+            <a:pPr marL="0" indent="0">
+              <a:buNone/>
+            </a:pPr>
             <a:r>
               <a:rPr lang="fr-FR" dirty="0"/>
-              <a:t> 										</a:t>
+              <a:t>_ Digit Recognizer</a:t>
+            </a:r>
+            <a:br>
+              <a:rPr lang="fr-FR" dirty="0"/>
+            </a:br>
+            <a:r>
+              <a:rPr lang="fr-FR" dirty="0"/>
+              <a:t>_ A-Z </a:t>
+            </a:r>
+            <a:r>
+              <a:rPr lang="fr-FR" dirty="0" err="1"/>
+              <a:t>Handwritten</a:t>
+            </a:r>
+            <a:r>
+              <a:rPr lang="fr-FR" dirty="0"/>
+              <a:t> Alphabets</a:t>
+            </a:r>
+            <a:br>
+              <a:rPr lang="fr-FR" dirty="0"/>
+            </a:br>
+            <a:r>
+              <a:rPr lang="fr-FR" dirty="0"/>
+              <a:t>_ </a:t>
+            </a:r>
+            <a:r>
+              <a:rPr lang="en-US" dirty="0"/>
+              <a:t>Quick, Draw! Doodle Recognition Challenge</a:t>
+            </a:r>
+          </a:p>
+          <a:p>
+            <a:pPr marL="0" indent="0">
+              <a:buNone/>
+            </a:pPr>
+            <a:r>
+              <a:rPr lang="fr-FR" dirty="0"/>
+              <a:t>			</a:t>
             </a:r>
           </a:p>
         </p:txBody>
@@ -6370,8 +7105,8 @@
         </p:blipFill>
         <p:spPr>
           <a:xfrm>
-            <a:off x="408125" y="2525738"/>
-            <a:ext cx="3845823" cy="3079723"/>
+            <a:off x="464446" y="3930260"/>
+            <a:ext cx="2091918" cy="1675201"/>
           </a:xfrm>
           <a:prstGeom prst="rect">
             <a:avLst/>
@@ -6400,8 +7135,8 @@
         </p:blipFill>
         <p:spPr>
           <a:xfrm>
-            <a:off x="8086815" y="552107"/>
-            <a:ext cx="2701927" cy="2722319"/>
+            <a:off x="4626647" y="3377836"/>
+            <a:ext cx="1267624" cy="1277191"/>
           </a:xfrm>
           <a:prstGeom prst="rect">
             <a:avLst/>
@@ -6422,8 +7157,8 @@
         </p:nvSpPr>
         <p:spPr>
           <a:xfrm rot="1344254">
-            <a:off x="4596802" y="4467556"/>
-            <a:ext cx="2321823" cy="1073424"/>
+            <a:off x="3035551" y="5320442"/>
+            <a:ext cx="1506992" cy="574480"/>
           </a:xfrm>
           <a:prstGeom prst="rightArrow">
             <a:avLst/>
@@ -6468,8 +7203,8 @@
         </p:nvSpPr>
         <p:spPr>
           <a:xfrm rot="20234998">
-            <a:off x="4610354" y="2584993"/>
-            <a:ext cx="2321823" cy="1073424"/>
+            <a:off x="2932304" y="3944481"/>
+            <a:ext cx="1335243" cy="470678"/>
           </a:xfrm>
           <a:prstGeom prst="rightArrow">
             <a:avLst/>
@@ -6522,117 +7257,20 @@
         </p:blipFill>
         <p:spPr>
           <a:xfrm>
-            <a:off x="8086815" y="3837261"/>
-            <a:ext cx="2701927" cy="2701927"/>
+            <a:off x="4555312" y="5330619"/>
+            <a:ext cx="1260392" cy="1260392"/>
           </a:xfrm>
           <a:prstGeom prst="rect">
             <a:avLst/>
           </a:prstGeom>
         </p:spPr>
       </p:pic>
-    </p:spTree>
-    <p:extLst>
-      <p:ext uri="{BB962C8B-B14F-4D97-AF65-F5344CB8AC3E}">
-        <p14:creationId xmlns:p14="http://schemas.microsoft.com/office/powerpoint/2010/main" val="3695869123"/>
-      </p:ext>
-    </p:extLst>
-  </p:cSld>
-  <p:clrMapOvr>
-    <a:masterClrMapping/>
-  </p:clrMapOvr>
-</p:sld>
-</file>
-
-<file path=ppt/slides/slide4.xml><?xml version="1.0" encoding="utf-8"?>
-<p:sld xmlns:a="http://schemas.openxmlformats.org/drawingml/2006/main" xmlns:r="http://schemas.openxmlformats.org/officeDocument/2006/relationships" xmlns:p="http://schemas.openxmlformats.org/presentationml/2006/main">
-  <p:cSld>
-    <p:spTree>
-      <p:nvGrpSpPr>
-        <p:cNvPr id="1" name=""/>
-        <p:cNvGrpSpPr/>
-        <p:nvPr/>
-      </p:nvGrpSpPr>
-      <p:grpSpPr>
-        <a:xfrm>
-          <a:off x="0" y="0"/>
-          <a:ext cx="0" cy="0"/>
-          <a:chOff x="0" y="0"/>
-          <a:chExt cx="0" cy="0"/>
-        </a:xfrm>
-      </p:grpSpPr>
-      <p:sp>
-        <p:nvSpPr>
-          <p:cNvPr id="2" name="Titre 1">
+      <p:pic>
+        <p:nvPicPr>
+          <p:cNvPr id="5" name="Image 4">
             <a:extLst>
               <a:ext uri="{FF2B5EF4-FFF2-40B4-BE49-F238E27FC236}">
-                <a16:creationId xmlns:a16="http://schemas.microsoft.com/office/drawing/2014/main" id="{BD40AB16-C924-4CBD-8654-5E5B0397928F}"/>
-              </a:ext>
-            </a:extLst>
-          </p:cNvPr>
-          <p:cNvSpPr>
-            <a:spLocks noGrp="1"/>
-          </p:cNvSpPr>
-          <p:nvPr>
-            <p:ph type="title"/>
-          </p:nvPr>
-        </p:nvSpPr>
-        <p:spPr>
-          <a:xfrm>
-            <a:off x="0" y="0"/>
-            <a:ext cx="12192000" cy="2362200"/>
-          </a:xfrm>
-        </p:spPr>
-        <p:txBody>
-          <a:bodyPr/>
-          <a:lstStyle/>
-          <a:p>
-            <a:r>
-              <a:rPr lang="fr-FR" dirty="0" err="1"/>
-              <a:t>II.Réalisation</a:t>
-            </a:r>
-            <a:r>
-              <a:rPr lang="fr-FR" dirty="0"/>
-              <a:t> : Apprentissage </a:t>
-            </a:r>
-          </a:p>
-        </p:txBody>
-      </p:sp>
-      <p:sp>
-        <p:nvSpPr>
-          <p:cNvPr id="3" name="Espace réservé du texte 2">
-            <a:extLst>
-              <a:ext uri="{FF2B5EF4-FFF2-40B4-BE49-F238E27FC236}">
-                <a16:creationId xmlns:a16="http://schemas.microsoft.com/office/drawing/2014/main" id="{39E68DFD-8D71-43B8-8E2A-BC325E2191BA}"/>
-              </a:ext>
-            </a:extLst>
-          </p:cNvPr>
-          <p:cNvSpPr>
-            <a:spLocks noGrp="1"/>
-          </p:cNvSpPr>
-          <p:nvPr>
-            <p:ph type="body" sz="half" idx="2"/>
-          </p:nvPr>
-        </p:nvSpPr>
-        <p:spPr>
-          <a:xfrm>
-            <a:off x="0" y="1007166"/>
-            <a:ext cx="12192000" cy="5872370"/>
-          </a:xfrm>
-        </p:spPr>
-        <p:txBody>
-          <a:bodyPr/>
-          <a:lstStyle/>
-          <a:p>
-            <a:endParaRPr lang="fr-FR" dirty="0"/>
-          </a:p>
-        </p:txBody>
-      </p:sp>
-      <p:pic>
-        <p:nvPicPr>
-          <p:cNvPr id="11" name="Image 10">
-            <a:extLst>
-              <a:ext uri="{FF2B5EF4-FFF2-40B4-BE49-F238E27FC236}">
-                <a16:creationId xmlns:a16="http://schemas.microsoft.com/office/drawing/2014/main" id="{4CBBF2AF-89DD-40B2-9598-3164637F57DF}"/>
+                <a16:creationId xmlns:a16="http://schemas.microsoft.com/office/drawing/2014/main" id="{5AA60098-7B14-4F10-9DB4-73E8FD679EA4}"/>
               </a:ext>
             </a:extLst>
           </p:cNvPr>
@@ -6642,124 +7280,27 @@
           <p:nvPr/>
         </p:nvPicPr>
         <p:blipFill>
-          <a:blip r:embed="rId2"/>
+          <a:blip r:embed="rId5"/>
           <a:stretch>
             <a:fillRect/>
           </a:stretch>
         </p:blipFill>
         <p:spPr>
           <a:xfrm>
-            <a:off x="1722782" y="1447334"/>
-            <a:ext cx="8746435" cy="4992033"/>
+            <a:off x="7699307" y="2274624"/>
+            <a:ext cx="4351000" cy="2151310"/>
           </a:xfrm>
           <a:prstGeom prst="rect">
             <a:avLst/>
           </a:prstGeom>
         </p:spPr>
       </p:pic>
-    </p:spTree>
-    <p:extLst>
-      <p:ext uri="{BB962C8B-B14F-4D97-AF65-F5344CB8AC3E}">
-        <p14:creationId xmlns:p14="http://schemas.microsoft.com/office/powerpoint/2010/main" val="3013192751"/>
-      </p:ext>
-    </p:extLst>
-  </p:cSld>
-  <p:clrMapOvr>
-    <a:masterClrMapping/>
-  </p:clrMapOvr>
-</p:sld>
-</file>
-
-<file path=ppt/slides/slide5.xml><?xml version="1.0" encoding="utf-8"?>
-<p:sld xmlns:a="http://schemas.openxmlformats.org/drawingml/2006/main" xmlns:r="http://schemas.openxmlformats.org/officeDocument/2006/relationships" xmlns:p="http://schemas.openxmlformats.org/presentationml/2006/main">
-  <p:cSld>
-    <p:spTree>
-      <p:nvGrpSpPr>
-        <p:cNvPr id="1" name=""/>
-        <p:cNvGrpSpPr/>
-        <p:nvPr/>
-      </p:nvGrpSpPr>
-      <p:grpSpPr>
-        <a:xfrm>
-          <a:off x="0" y="0"/>
-          <a:ext cx="0" cy="0"/>
-          <a:chOff x="0" y="0"/>
-          <a:chExt cx="0" cy="0"/>
-        </a:xfrm>
-      </p:grpSpPr>
-      <p:sp>
-        <p:nvSpPr>
-          <p:cNvPr id="2" name="Titre 1">
+      <p:pic>
+        <p:nvPicPr>
+          <p:cNvPr id="8" name="Image 7">
             <a:extLst>
               <a:ext uri="{FF2B5EF4-FFF2-40B4-BE49-F238E27FC236}">
-                <a16:creationId xmlns:a16="http://schemas.microsoft.com/office/drawing/2014/main" id="{BD40AB16-C924-4CBD-8654-5E5B0397928F}"/>
-              </a:ext>
-            </a:extLst>
-          </p:cNvPr>
-          <p:cNvSpPr>
-            <a:spLocks noGrp="1"/>
-          </p:cNvSpPr>
-          <p:nvPr>
-            <p:ph type="title"/>
-          </p:nvPr>
-        </p:nvSpPr>
-        <p:spPr>
-          <a:xfrm>
-            <a:off x="0" y="0"/>
-            <a:ext cx="12192000" cy="2362200"/>
-          </a:xfrm>
-        </p:spPr>
-        <p:txBody>
-          <a:bodyPr/>
-          <a:lstStyle/>
-          <a:p>
-            <a:r>
-              <a:rPr lang="fr-FR" dirty="0" err="1"/>
-              <a:t>II.Réalisation</a:t>
-            </a:r>
-            <a:r>
-              <a:rPr lang="fr-FR" dirty="0"/>
-              <a:t> : Apprentissage </a:t>
-            </a:r>
-          </a:p>
-        </p:txBody>
-      </p:sp>
-      <p:sp>
-        <p:nvSpPr>
-          <p:cNvPr id="3" name="Espace réservé du texte 2">
-            <a:extLst>
-              <a:ext uri="{FF2B5EF4-FFF2-40B4-BE49-F238E27FC236}">
-                <a16:creationId xmlns:a16="http://schemas.microsoft.com/office/drawing/2014/main" id="{39E68DFD-8D71-43B8-8E2A-BC325E2191BA}"/>
-              </a:ext>
-            </a:extLst>
-          </p:cNvPr>
-          <p:cNvSpPr>
-            <a:spLocks noGrp="1"/>
-          </p:cNvSpPr>
-          <p:nvPr>
-            <p:ph type="body" sz="half" idx="2"/>
-          </p:nvPr>
-        </p:nvSpPr>
-        <p:spPr>
-          <a:xfrm>
-            <a:off x="0" y="1007166"/>
-            <a:ext cx="12192000" cy="5872370"/>
-          </a:xfrm>
-        </p:spPr>
-        <p:txBody>
-          <a:bodyPr/>
-          <a:lstStyle/>
-          <a:p>
-            <a:endParaRPr lang="fr-FR" dirty="0"/>
-          </a:p>
-        </p:txBody>
-      </p:sp>
-      <p:pic>
-        <p:nvPicPr>
-          <p:cNvPr id="13" name="Image 12">
-            <a:extLst>
-              <a:ext uri="{FF2B5EF4-FFF2-40B4-BE49-F238E27FC236}">
-                <a16:creationId xmlns:a16="http://schemas.microsoft.com/office/drawing/2014/main" id="{C95C40EB-E362-45E7-9CC0-191E82811F6D}"/>
+                <a16:creationId xmlns:a16="http://schemas.microsoft.com/office/drawing/2014/main" id="{43AA1BC0-999C-42C1-9183-D261C2B9D3A0}"/>
               </a:ext>
             </a:extLst>
           </p:cNvPr>
@@ -6769,178 +7310,117 @@
           <p:nvPr/>
         </p:nvPicPr>
         <p:blipFill>
-          <a:blip r:embed="rId2"/>
+          <a:blip r:embed="rId6"/>
           <a:stretch>
             <a:fillRect/>
           </a:stretch>
         </p:blipFill>
         <p:spPr>
           <a:xfrm>
-            <a:off x="1709530" y="1492106"/>
-            <a:ext cx="8348870" cy="4902490"/>
+            <a:off x="7721867" y="4529806"/>
+            <a:ext cx="4253947" cy="2151310"/>
           </a:xfrm>
           <a:prstGeom prst="rect">
             <a:avLst/>
           </a:prstGeom>
         </p:spPr>
       </p:pic>
+      <p:sp>
+        <p:nvSpPr>
+          <p:cNvPr id="14" name="Flèche : droite 13">
+            <a:extLst>
+              <a:ext uri="{FF2B5EF4-FFF2-40B4-BE49-F238E27FC236}">
+                <a16:creationId xmlns:a16="http://schemas.microsoft.com/office/drawing/2014/main" id="{C152E39F-0B9C-479C-9CAF-7D2B5ABCEEBD}"/>
+              </a:ext>
+            </a:extLst>
+          </p:cNvPr>
+          <p:cNvSpPr/>
+          <p:nvPr/>
+        </p:nvSpPr>
+        <p:spPr>
+          <a:xfrm rot="20234998">
+            <a:off x="6115004" y="3469275"/>
+            <a:ext cx="1335243" cy="470678"/>
+          </a:xfrm>
+          <a:prstGeom prst="rightArrow">
+            <a:avLst/>
+          </a:prstGeom>
+        </p:spPr>
+        <p:style>
+          <a:lnRef idx="2">
+            <a:schemeClr val="accent1">
+              <a:shade val="50000"/>
+            </a:schemeClr>
+          </a:lnRef>
+          <a:fillRef idx="1">
+            <a:schemeClr val="accent1"/>
+          </a:fillRef>
+          <a:effectRef idx="0">
+            <a:schemeClr val="accent1"/>
+          </a:effectRef>
+          <a:fontRef idx="minor">
+            <a:schemeClr val="lt1"/>
+          </a:fontRef>
+        </p:style>
+        <p:txBody>
+          <a:bodyPr rtlCol="0" anchor="ctr"/>
+          <a:lstStyle/>
+          <a:p>
+            <a:pPr algn="ctr"/>
+            <a:endParaRPr lang="fr-FR"/>
+          </a:p>
+        </p:txBody>
+      </p:sp>
+      <p:sp>
+        <p:nvSpPr>
+          <p:cNvPr id="16" name="Flèche : droite 15">
+            <a:extLst>
+              <a:ext uri="{FF2B5EF4-FFF2-40B4-BE49-F238E27FC236}">
+                <a16:creationId xmlns:a16="http://schemas.microsoft.com/office/drawing/2014/main" id="{86F546A4-45E4-4B5D-8262-075D8458C04E}"/>
+              </a:ext>
+            </a:extLst>
+          </p:cNvPr>
+          <p:cNvSpPr/>
+          <p:nvPr/>
+        </p:nvSpPr>
+        <p:spPr>
+          <a:xfrm>
+            <a:off x="6029129" y="5673361"/>
+            <a:ext cx="1506992" cy="574480"/>
+          </a:xfrm>
+          <a:prstGeom prst="rightArrow">
+            <a:avLst/>
+          </a:prstGeom>
+        </p:spPr>
+        <p:style>
+          <a:lnRef idx="2">
+            <a:schemeClr val="accent1">
+              <a:shade val="50000"/>
+            </a:schemeClr>
+          </a:lnRef>
+          <a:fillRef idx="1">
+            <a:schemeClr val="accent1"/>
+          </a:fillRef>
+          <a:effectRef idx="0">
+            <a:schemeClr val="accent1"/>
+          </a:effectRef>
+          <a:fontRef idx="minor">
+            <a:schemeClr val="lt1"/>
+          </a:fontRef>
+        </p:style>
+        <p:txBody>
+          <a:bodyPr rtlCol="0" anchor="ctr"/>
+          <a:lstStyle/>
+          <a:p>
+            <a:pPr algn="ctr"/>
+            <a:endParaRPr lang="fr-FR"/>
+          </a:p>
+        </p:txBody>
+      </p:sp>
     </p:spTree>
     <p:extLst>
       <p:ext uri="{BB962C8B-B14F-4D97-AF65-F5344CB8AC3E}">
-        <p14:creationId xmlns:p14="http://schemas.microsoft.com/office/powerpoint/2010/main" val="3750297168"/>
-      </p:ext>
-    </p:extLst>
-  </p:cSld>
-  <p:clrMapOvr>
-    <a:masterClrMapping/>
-  </p:clrMapOvr>
-</p:sld>
-</file>
-
-<file path=ppt/slides/slide6.xml><?xml version="1.0" encoding="utf-8"?>
-<p:sld xmlns:a="http://schemas.openxmlformats.org/drawingml/2006/main" xmlns:r="http://schemas.openxmlformats.org/officeDocument/2006/relationships" xmlns:p="http://schemas.openxmlformats.org/presentationml/2006/main">
-  <p:cSld>
-    <p:spTree>
-      <p:nvGrpSpPr>
-        <p:cNvPr id="1" name=""/>
-        <p:cNvGrpSpPr/>
-        <p:nvPr/>
-      </p:nvGrpSpPr>
-      <p:grpSpPr>
-        <a:xfrm>
-          <a:off x="0" y="0"/>
-          <a:ext cx="0" cy="0"/>
-          <a:chOff x="0" y="0"/>
-          <a:chExt cx="0" cy="0"/>
-        </a:xfrm>
-      </p:grpSpPr>
-      <p:sp>
-        <p:nvSpPr>
-          <p:cNvPr id="2" name="Titre 1">
-            <a:extLst>
-              <a:ext uri="{FF2B5EF4-FFF2-40B4-BE49-F238E27FC236}">
-                <a16:creationId xmlns:a16="http://schemas.microsoft.com/office/drawing/2014/main" id="{57FA7DF1-0732-4986-A4A2-55FD5E8381E5}"/>
-              </a:ext>
-            </a:extLst>
-          </p:cNvPr>
-          <p:cNvSpPr>
-            <a:spLocks noGrp="1"/>
-          </p:cNvSpPr>
-          <p:nvPr>
-            <p:ph type="title"/>
-          </p:nvPr>
-        </p:nvSpPr>
-        <p:spPr>
-          <a:xfrm>
-            <a:off x="0" y="0"/>
-            <a:ext cx="12192000" cy="844826"/>
-          </a:xfrm>
-        </p:spPr>
-        <p:txBody>
-          <a:bodyPr/>
-          <a:lstStyle/>
-          <a:p>
-            <a:r>
-              <a:rPr lang="fr-FR" dirty="0"/>
-              <a:t>III. Résultat</a:t>
-            </a:r>
-          </a:p>
-        </p:txBody>
-      </p:sp>
-      <p:sp>
-        <p:nvSpPr>
-          <p:cNvPr id="3" name="Espace réservé du texte 2">
-            <a:extLst>
-              <a:ext uri="{FF2B5EF4-FFF2-40B4-BE49-F238E27FC236}">
-                <a16:creationId xmlns:a16="http://schemas.microsoft.com/office/drawing/2014/main" id="{3A278B43-B80E-434A-9D8A-1534FAF8090A}"/>
-              </a:ext>
-            </a:extLst>
-          </p:cNvPr>
-          <p:cNvSpPr>
-            <a:spLocks noGrp="1"/>
-          </p:cNvSpPr>
-          <p:nvPr>
-            <p:ph type="body" sz="half" idx="2"/>
-          </p:nvPr>
-        </p:nvSpPr>
-        <p:spPr>
-          <a:xfrm>
-            <a:off x="0" y="844826"/>
-            <a:ext cx="12192000" cy="6013174"/>
-          </a:xfrm>
-        </p:spPr>
-        <p:txBody>
-          <a:bodyPr/>
-          <a:lstStyle/>
-          <a:p>
-            <a:endParaRPr lang="fr-FR" dirty="0"/>
-          </a:p>
-        </p:txBody>
-      </p:sp>
-      <p:pic>
-        <p:nvPicPr>
-          <p:cNvPr id="5" name="Image 4">
-            <a:extLst>
-              <a:ext uri="{FF2B5EF4-FFF2-40B4-BE49-F238E27FC236}">
-                <a16:creationId xmlns:a16="http://schemas.microsoft.com/office/drawing/2014/main" id="{B3D4F621-98EF-45D3-8854-48810B43D3B9}"/>
-              </a:ext>
-            </a:extLst>
-          </p:cNvPr>
-          <p:cNvPicPr>
-            <a:picLocks noChangeAspect="1"/>
-          </p:cNvPicPr>
-          <p:nvPr/>
-        </p:nvPicPr>
-        <p:blipFill>
-          <a:blip r:embed="rId2"/>
-          <a:stretch>
-            <a:fillRect/>
-          </a:stretch>
-        </p:blipFill>
-        <p:spPr>
-          <a:xfrm>
-            <a:off x="6978752" y="1445958"/>
-            <a:ext cx="4881944" cy="4810909"/>
-          </a:xfrm>
-          <a:prstGeom prst="rect">
-            <a:avLst/>
-          </a:prstGeom>
-        </p:spPr>
-      </p:pic>
-      <p:pic>
-        <p:nvPicPr>
-          <p:cNvPr id="7" name="Image 6">
-            <a:extLst>
-              <a:ext uri="{FF2B5EF4-FFF2-40B4-BE49-F238E27FC236}">
-                <a16:creationId xmlns:a16="http://schemas.microsoft.com/office/drawing/2014/main" id="{B9CAAD8E-6EED-4F20-8365-4998621B76D6}"/>
-              </a:ext>
-            </a:extLst>
-          </p:cNvPr>
-          <p:cNvPicPr>
-            <a:picLocks noChangeAspect="1"/>
-          </p:cNvPicPr>
-          <p:nvPr/>
-        </p:nvPicPr>
-        <p:blipFill>
-          <a:blip r:embed="rId3"/>
-          <a:stretch>
-            <a:fillRect/>
-          </a:stretch>
-        </p:blipFill>
-        <p:spPr>
-          <a:xfrm>
-            <a:off x="331304" y="1445958"/>
-            <a:ext cx="5866781" cy="4810909"/>
-          </a:xfrm>
-          <a:prstGeom prst="rect">
-            <a:avLst/>
-          </a:prstGeom>
-        </p:spPr>
-      </p:pic>
-    </p:spTree>
-    <p:extLst>
-      <p:ext uri="{BB962C8B-B14F-4D97-AF65-F5344CB8AC3E}">
-        <p14:creationId xmlns:p14="http://schemas.microsoft.com/office/powerpoint/2010/main" val="1407522859"/>
+        <p14:creationId xmlns:p14="http://schemas.microsoft.com/office/powerpoint/2010/main" val="3695869123"/>
       </p:ext>
     </p:extLst>
   </p:cSld>
